--- a/presentations/2012-Sept/201209 WGM International SDO Intro to FHIR.pptx
+++ b/presentations/2012-Sept/201209 WGM International SDO Intro to FHIR.pptx
@@ -219,7 +219,7 @@
             <a:fld id="{5FA7A704-9F1C-4FD3-85D1-57AF2D7FD0E8}" type="datetimeFigureOut">
               <a:rPr lang="en-US" smtClean="0"/>
               <a:pPr/>
-              <a:t>9/9/2012</a:t>
+              <a:t>9/10/2012</a:t>
             </a:fld>
             <a:endParaRPr lang="en-US" dirty="0"/>
           </a:p>
@@ -625,7 +625,7 @@
             <a:fld id="{D80A4771-C6EF-4B99-81F4-D30BE4E017A0}" type="datetimeFigureOut">
               <a:rPr lang="en-US" smtClean="0"/>
               <a:pPr/>
-              <a:t>9/9/2012</a:t>
+              <a:t>9/10/2012</a:t>
             </a:fld>
             <a:endParaRPr lang="en-US"/>
           </a:p>
@@ -940,7 +940,7 @@
             <a:fld id="{D80A4771-C6EF-4B99-81F4-D30BE4E017A0}" type="datetimeFigureOut">
               <a:rPr lang="en-US" smtClean="0"/>
               <a:pPr/>
-              <a:t>9/9/2012</a:t>
+              <a:t>9/10/2012</a:t>
             </a:fld>
             <a:endParaRPr lang="en-US"/>
           </a:p>
@@ -1127,7 +1127,7 @@
             <a:fld id="{D80A4771-C6EF-4B99-81F4-D30BE4E017A0}" type="datetimeFigureOut">
               <a:rPr lang="en-US" smtClean="0"/>
               <a:pPr/>
-              <a:t>9/9/2012</a:t>
+              <a:t>9/10/2012</a:t>
             </a:fld>
             <a:endParaRPr lang="en-US"/>
           </a:p>
@@ -1325,7 +1325,7 @@
             <a:fld id="{D80A4771-C6EF-4B99-81F4-D30BE4E017A0}" type="datetimeFigureOut">
               <a:rPr lang="en-US" smtClean="0"/>
               <a:pPr/>
-              <a:t>9/9/2012</a:t>
+              <a:t>9/10/2012</a:t>
             </a:fld>
             <a:endParaRPr lang="en-US"/>
           </a:p>
@@ -1619,7 +1619,7 @@
             <a:fld id="{D80A4771-C6EF-4B99-81F4-D30BE4E017A0}" type="datetimeFigureOut">
               <a:rPr lang="en-US" smtClean="0"/>
               <a:pPr/>
-              <a:t>9/9/2012</a:t>
+              <a:t>9/10/2012</a:t>
             </a:fld>
             <a:endParaRPr lang="en-US"/>
           </a:p>
@@ -2155,7 +2155,7 @@
             <a:fld id="{D80A4771-C6EF-4B99-81F4-D30BE4E017A0}" type="datetimeFigureOut">
               <a:rPr lang="en-US" smtClean="0"/>
               <a:pPr/>
-              <a:t>9/9/2012</a:t>
+              <a:t>9/10/2012</a:t>
             </a:fld>
             <a:endParaRPr lang="en-US"/>
           </a:p>
@@ -2794,7 +2794,7 @@
             <a:fld id="{D80A4771-C6EF-4B99-81F4-D30BE4E017A0}" type="datetimeFigureOut">
               <a:rPr lang="en-US" smtClean="0"/>
               <a:pPr/>
-              <a:t>9/9/2012</a:t>
+              <a:t>9/10/2012</a:t>
             </a:fld>
             <a:endParaRPr lang="en-US"/>
           </a:p>
@@ -2922,7 +2922,7 @@
             <a:fld id="{D80A4771-C6EF-4B99-81F4-D30BE4E017A0}" type="datetimeFigureOut">
               <a:rPr lang="en-US" smtClean="0"/>
               <a:pPr/>
-              <a:t>9/9/2012</a:t>
+              <a:t>9/10/2012</a:t>
             </a:fld>
             <a:endParaRPr lang="en-US"/>
           </a:p>
@@ -3068,7 +3068,7 @@
             <a:fld id="{D80A4771-C6EF-4B99-81F4-D30BE4E017A0}" type="datetimeFigureOut">
               <a:rPr lang="en-US" smtClean="0"/>
               <a:pPr/>
-              <a:t>9/9/2012</a:t>
+              <a:t>9/10/2012</a:t>
             </a:fld>
             <a:endParaRPr lang="en-US"/>
           </a:p>
@@ -3415,7 +3415,7 @@
             <a:fld id="{D80A4771-C6EF-4B99-81F4-D30BE4E017A0}" type="datetimeFigureOut">
               <a:rPr lang="en-US" smtClean="0"/>
               <a:pPr/>
-              <a:t>9/9/2012</a:t>
+              <a:t>9/10/2012</a:t>
             </a:fld>
             <a:endParaRPr lang="en-US"/>
           </a:p>
@@ -3513,7 +3513,7 @@
             <a:fld id="{D80A4771-C6EF-4B99-81F4-D30BE4E017A0}" type="datetimeFigureOut">
               <a:rPr lang="en-US" smtClean="0"/>
               <a:pPr/>
-              <a:t>9/9/2012</a:t>
+              <a:t>9/10/2012</a:t>
             </a:fld>
             <a:endParaRPr lang="en-US"/>
           </a:p>
@@ -3939,7 +3939,7 @@
             <a:fld id="{D80A4771-C6EF-4B99-81F4-D30BE4E017A0}" type="datetimeFigureOut">
               <a:rPr lang="en-US" smtClean="0"/>
               <a:pPr algn="r"/>
-              <a:t>9/9/2012</a:t>
+              <a:t>9/10/2012</a:t>
             </a:fld>
             <a:endParaRPr lang="en-US" sz="1200">
               <a:solidFill>
@@ -4860,11 +4860,7 @@
           <a:p>
             <a:r>
               <a:rPr lang="en-US" dirty="0" smtClean="0"/>
-              <a:t>Lloyd </a:t>
-            </a:r>
-            <a:r>
-              <a:rPr lang="en-US" dirty="0" smtClean="0"/>
-              <a:t>McKenzie</a:t>
+              <a:t>Lloyd McKenzie</a:t>
             </a:r>
             <a:endParaRPr lang="en-CA" dirty="0"/>
           </a:p>
@@ -5219,7 +5215,7 @@
         <p:spPr/>
         <p:txBody>
           <a:bodyPr>
-            <a:normAutofit fontScale="77500" lnSpcReduction="20000"/>
+            <a:normAutofit fontScale="85000" lnSpcReduction="10000"/>
           </a:bodyPr>
           <a:lstStyle/>
           <a:p>
@@ -6244,11 +6240,7 @@
           <a:p>
             <a:r>
               <a:rPr lang="en-US" dirty="0" smtClean="0"/>
-              <a:t>What </a:t>
-            </a:r>
-            <a:r>
-              <a:rPr lang="en-US" dirty="0" smtClean="0"/>
-              <a:t>is FHIR?</a:t>
+              <a:t>What is FHIR?</a:t>
             </a:r>
           </a:p>
           <a:p>
@@ -6262,7 +6254,6 @@
               <a:rPr lang="en-US" dirty="0" smtClean="0"/>
               <a:t>Question &amp; Answer</a:t>
             </a:r>
-            <a:endParaRPr lang="en-US" dirty="0" smtClean="0"/>
           </a:p>
         </p:txBody>
       </p:sp>
@@ -6355,11 +6346,7 @@
           <a:p>
             <a:r>
               <a:rPr lang="en-AU" dirty="0" smtClean="0"/>
-              <a:t>Lloyd</a:t>
-            </a:r>
-            <a:r>
-              <a:rPr lang="en-AU" dirty="0" smtClean="0"/>
-              <a:t>:</a:t>
+              <a:t>Lloyd:</a:t>
             </a:r>
             <a:r>
               <a:rPr lang="en-AU" dirty="0"/>
@@ -6568,7 +6555,7 @@
           <a:p>
             <a:fld id="{3E35911F-C29B-46BC-A997-389E14454876}" type="datetime1">
               <a:rPr lang="en-US" smtClean="0"/>
-              <a:t>9/9/2012</a:t>
+              <a:t>9/10/2012</a:t>
             </a:fld>
             <a:endParaRPr lang="en-US" dirty="0"/>
           </a:p>
@@ -6941,7 +6928,7 @@
         <p:spPr/>
         <p:txBody>
           <a:bodyPr>
-            <a:normAutofit fontScale="92500"/>
+            <a:normAutofit/>
           </a:bodyPr>
           <a:lstStyle/>
           <a:p>
@@ -7521,54 +7508,6 @@
           <a:bodyPr/>
           <a:lstStyle/>
           <a:p>
-            <a:pPr rtl="0" eaLnBrk="0" fontAlgn="base" hangingPunct="0"/>
-            <a:r>
-              <a:rPr lang="en-US" sz="2400" dirty="0" smtClean="0">
-                <a:solidFill>
-                  <a:schemeClr val="tx1"/>
-                </a:solidFill>
-                <a:effectLst/>
-                <a:latin typeface="+mn-lt"/>
-                <a:ea typeface="+mn-ea"/>
-                <a:cs typeface="+mn-cs"/>
-              </a:rPr>
-              <a:t>More sophisticated flows (than</a:t>
-            </a:r>
-            <a:r>
-              <a:rPr lang="en-US" sz="2400" baseline="0" dirty="0" smtClean="0">
-                <a:solidFill>
-                  <a:schemeClr val="tx1"/>
-                </a:solidFill>
-                <a:effectLst/>
-                <a:latin typeface="+mn-lt"/>
-                <a:ea typeface="+mn-ea"/>
-                <a:cs typeface="+mn-cs"/>
-              </a:rPr>
-              <a:t> CRUD) can be defined called “transactions”</a:t>
-            </a:r>
-          </a:p>
-          <a:p>
-            <a:pPr lvl="1"/>
-            <a:r>
-              <a:rPr lang="en-US" sz="2200" dirty="0" smtClean="0">
-                <a:ea typeface="+mn-ea"/>
-                <a:cs typeface="+mn-cs"/>
-              </a:rPr>
-              <a:t>Adds additional metadata to track who made changes, etc.</a:t>
-            </a:r>
-          </a:p>
-          <a:p>
-            <a:pPr lvl="1"/>
-            <a:r>
-              <a:rPr lang="en-US" sz="2200" dirty="0" smtClean="0"/>
-              <a:t>Or can use messaging/services</a:t>
-            </a:r>
-            <a:endParaRPr lang="en-US" sz="2200" dirty="0" smtClean="0">
-              <a:ea typeface="+mn-ea"/>
-              <a:cs typeface="+mn-cs"/>
-            </a:endParaRPr>
-          </a:p>
-          <a:p>
             <a:r>
               <a:rPr lang="en-US" sz="2400" dirty="0" smtClean="0">
                 <a:solidFill>
@@ -7577,7 +7516,17 @@
                 <a:effectLst/>
                 <a:latin typeface="+mn-lt"/>
               </a:rPr>
-              <a:t>Formally defined conformance profiles</a:t>
+              <a:t>Formally </a:t>
+            </a:r>
+            <a:r>
+              <a:rPr lang="en-US" sz="2400" dirty="0" smtClean="0">
+                <a:solidFill>
+                  <a:schemeClr val="tx1"/>
+                </a:solidFill>
+                <a:effectLst/>
+                <a:latin typeface="+mn-lt"/>
+              </a:rPr>
+              <a:t>defined conformance profiles</a:t>
             </a:r>
           </a:p>
           <a:p>
